--- a/docs/diagrams/EditInvestigatorSequenceDiagram.pptx
+++ b/docs/diagrams/EditInvestigatorSequenceDiagram.pptx
@@ -209,7 +209,7 @@
           <a:p>
             <a:fld id="{F5CC4B3F-88C1-4FFA-B1B6-F41C21DC6924}" type="datetimeFigureOut">
               <a:rPr lang="en-US" smtClean="0"/>
-              <a:t>12-Apr-18</a:t>
+              <a:t>15-Apr-18</a:t>
             </a:fld>
             <a:endParaRPr lang="en-US"/>
           </a:p>
@@ -739,7 +739,7 @@
           <a:p>
             <a:fld id="{78C97017-6FC3-485B-9764-EAC9E56C1D49}" type="datetimeFigureOut">
               <a:rPr lang="en-US" smtClean="0"/>
-              <a:t>12-Apr-18</a:t>
+              <a:t>15-Apr-18</a:t>
             </a:fld>
             <a:endParaRPr lang="en-US"/>
           </a:p>
@@ -907,7 +907,7 @@
           <a:p>
             <a:fld id="{78C97017-6FC3-485B-9764-EAC9E56C1D49}" type="datetimeFigureOut">
               <a:rPr lang="en-US" smtClean="0"/>
-              <a:t>12-Apr-18</a:t>
+              <a:t>15-Apr-18</a:t>
             </a:fld>
             <a:endParaRPr lang="en-US"/>
           </a:p>
@@ -1085,7 +1085,7 @@
           <a:p>
             <a:fld id="{78C97017-6FC3-485B-9764-EAC9E56C1D49}" type="datetimeFigureOut">
               <a:rPr lang="en-US" smtClean="0"/>
-              <a:t>12-Apr-18</a:t>
+              <a:t>15-Apr-18</a:t>
             </a:fld>
             <a:endParaRPr lang="en-US"/>
           </a:p>
@@ -1253,7 +1253,7 @@
           <a:p>
             <a:fld id="{78C97017-6FC3-485B-9764-EAC9E56C1D49}" type="datetimeFigureOut">
               <a:rPr lang="en-US" smtClean="0"/>
-              <a:t>12-Apr-18</a:t>
+              <a:t>15-Apr-18</a:t>
             </a:fld>
             <a:endParaRPr lang="en-US"/>
           </a:p>
@@ -1498,7 +1498,7 @@
           <a:p>
             <a:fld id="{78C97017-6FC3-485B-9764-EAC9E56C1D49}" type="datetimeFigureOut">
               <a:rPr lang="en-US" smtClean="0"/>
-              <a:t>12-Apr-18</a:t>
+              <a:t>15-Apr-18</a:t>
             </a:fld>
             <a:endParaRPr lang="en-US"/>
           </a:p>
@@ -1783,7 +1783,7 @@
           <a:p>
             <a:fld id="{78C97017-6FC3-485B-9764-EAC9E56C1D49}" type="datetimeFigureOut">
               <a:rPr lang="en-US" smtClean="0"/>
-              <a:t>12-Apr-18</a:t>
+              <a:t>15-Apr-18</a:t>
             </a:fld>
             <a:endParaRPr lang="en-US"/>
           </a:p>
@@ -2202,7 +2202,7 @@
           <a:p>
             <a:fld id="{78C97017-6FC3-485B-9764-EAC9E56C1D49}" type="datetimeFigureOut">
               <a:rPr lang="en-US" smtClean="0"/>
-              <a:t>12-Apr-18</a:t>
+              <a:t>15-Apr-18</a:t>
             </a:fld>
             <a:endParaRPr lang="en-US"/>
           </a:p>
@@ -2319,7 +2319,7 @@
           <a:p>
             <a:fld id="{78C97017-6FC3-485B-9764-EAC9E56C1D49}" type="datetimeFigureOut">
               <a:rPr lang="en-US" smtClean="0"/>
-              <a:t>12-Apr-18</a:t>
+              <a:t>15-Apr-18</a:t>
             </a:fld>
             <a:endParaRPr lang="en-US"/>
           </a:p>
@@ -2414,7 +2414,7 @@
           <a:p>
             <a:fld id="{78C97017-6FC3-485B-9764-EAC9E56C1D49}" type="datetimeFigureOut">
               <a:rPr lang="en-US" smtClean="0"/>
-              <a:t>12-Apr-18</a:t>
+              <a:t>15-Apr-18</a:t>
             </a:fld>
             <a:endParaRPr lang="en-US"/>
           </a:p>
@@ -2689,7 +2689,7 @@
           <a:p>
             <a:fld id="{78C97017-6FC3-485B-9764-EAC9E56C1D49}" type="datetimeFigureOut">
               <a:rPr lang="en-US" smtClean="0"/>
-              <a:t>12-Apr-18</a:t>
+              <a:t>15-Apr-18</a:t>
             </a:fld>
             <a:endParaRPr lang="en-US"/>
           </a:p>
@@ -2941,7 +2941,7 @@
           <a:p>
             <a:fld id="{78C97017-6FC3-485B-9764-EAC9E56C1D49}" type="datetimeFigureOut">
               <a:rPr lang="en-US" smtClean="0"/>
-              <a:t>12-Apr-18</a:t>
+              <a:t>15-Apr-18</a:t>
             </a:fld>
             <a:endParaRPr lang="en-US"/>
           </a:p>
@@ -3152,7 +3152,7 @@
           <a:p>
             <a:fld id="{78C97017-6FC3-485B-9764-EAC9E56C1D49}" type="datetimeFigureOut">
               <a:rPr lang="en-US" smtClean="0"/>
-              <a:t>12-Apr-18</a:t>
+              <a:t>15-Apr-18</a:t>
             </a:fld>
             <a:endParaRPr lang="en-US"/>
           </a:p>
@@ -3670,7 +3670,7 @@
         <p:spPr>
           <a:xfrm>
             <a:off x="1610959" y="907617"/>
-            <a:ext cx="0" cy="5264583"/>
+            <a:ext cx="0" cy="5645583"/>
           </a:xfrm>
           <a:prstGeom prst="line">
             <a:avLst/>
@@ -3706,8 +3706,8 @@
         </p:nvSpPr>
         <p:spPr>
           <a:xfrm>
-            <a:off x="1538951" y="1258311"/>
-            <a:ext cx="124302" cy="4692072"/>
+            <a:off x="1538950" y="1258311"/>
+            <a:ext cx="130693" cy="5041406"/>
           </a:xfrm>
           <a:prstGeom prst="rect">
             <a:avLst/>
@@ -3944,13 +3944,15 @@
       <p:cxnSp>
         <p:nvCxnSpPr>
           <p:cNvPr id="23" name="Straight Arrow Connector 22"/>
-          <p:cNvCxnSpPr/>
+          <p:cNvCxnSpPr>
+            <a:cxnSpLocks/>
+          </p:cNvCxnSpPr>
           <p:nvPr/>
         </p:nvCxnSpPr>
         <p:spPr>
           <a:xfrm>
-            <a:off x="419100" y="1261999"/>
-            <a:ext cx="1119851" cy="0"/>
+            <a:off x="-228600" y="1261999"/>
+            <a:ext cx="1767551" cy="0"/>
           </a:xfrm>
           <a:prstGeom prst="straightConnector1">
             <a:avLst/>
@@ -3985,7 +3987,7 @@
         </p:nvSpPr>
         <p:spPr>
           <a:xfrm>
-            <a:off x="-330982" y="1042867"/>
+            <a:off x="-321031" y="1065940"/>
             <a:ext cx="1729645" cy="430887"/>
           </a:xfrm>
           <a:prstGeom prst="rect">
@@ -5905,6 +5907,413 @@
           </a:p>
         </p:txBody>
       </p:sp>
+      <p:sp>
+        <p:nvSpPr>
+          <p:cNvPr id="59" name="Rectangle 62">
+            <a:extLst>
+              <a:ext uri="{FF2B5EF4-FFF2-40B4-BE49-F238E27FC236}">
+                <a16:creationId xmlns:a16="http://schemas.microsoft.com/office/drawing/2014/main" id="{7B867265-F0D7-4DC3-9CAE-9CBA07212788}"/>
+              </a:ext>
+            </a:extLst>
+          </p:cNvPr>
+          <p:cNvSpPr/>
+          <p:nvPr/>
+        </p:nvSpPr>
+        <p:spPr>
+          <a:xfrm>
+            <a:off x="9749406" y="457825"/>
+            <a:ext cx="1670495" cy="461538"/>
+          </a:xfrm>
+          <a:prstGeom prst="rect">
+            <a:avLst/>
+          </a:prstGeom>
+          <a:solidFill>
+            <a:schemeClr val="accent1">
+              <a:lumMod val="60000"/>
+              <a:lumOff val="40000"/>
+            </a:schemeClr>
+          </a:solidFill>
+          <a:ln w="19050">
+            <a:noFill/>
+          </a:ln>
+          <a:effectLst/>
+        </p:spPr>
+        <p:style>
+          <a:lnRef idx="1">
+            <a:schemeClr val="accent2"/>
+          </a:lnRef>
+          <a:fillRef idx="2">
+            <a:schemeClr val="accent2"/>
+          </a:fillRef>
+          <a:effectRef idx="1">
+            <a:schemeClr val="accent2"/>
+          </a:effectRef>
+          <a:fontRef idx="minor">
+            <a:schemeClr val="dk1"/>
+          </a:fontRef>
+        </p:style>
+        <p:txBody>
+          <a:bodyPr rtlCol="0" anchor="ctr"/>
+          <a:lstStyle/>
+          <a:p>
+            <a:pPr algn="ctr"/>
+            <a:r>
+              <a:rPr lang="en-US" sz="1600" dirty="0">
+                <a:solidFill>
+                  <a:schemeClr val="bg1"/>
+                </a:solidFill>
+              </a:rPr>
+              <a:t>:</a:t>
+            </a:r>
+            <a:r>
+              <a:rPr lang="en-US" sz="1600" dirty="0" err="1">
+                <a:solidFill>
+                  <a:schemeClr val="bg1"/>
+                </a:solidFill>
+              </a:rPr>
+              <a:t>EventsCenter</a:t>
+            </a:r>
+            <a:endParaRPr lang="en-SG" sz="1600" dirty="0">
+              <a:solidFill>
+                <a:schemeClr val="bg1"/>
+              </a:solidFill>
+            </a:endParaRPr>
+          </a:p>
+        </p:txBody>
+      </p:sp>
+      <p:cxnSp>
+        <p:nvCxnSpPr>
+          <p:cNvPr id="61" name="Straight Connector 60">
+            <a:extLst>
+              <a:ext uri="{FF2B5EF4-FFF2-40B4-BE49-F238E27FC236}">
+                <a16:creationId xmlns:a16="http://schemas.microsoft.com/office/drawing/2014/main" id="{C03EAE5D-5C55-4D23-B79F-AD69C595DF3F}"/>
+              </a:ext>
+            </a:extLst>
+          </p:cNvPr>
+          <p:cNvCxnSpPr>
+            <a:cxnSpLocks/>
+          </p:cNvCxnSpPr>
+          <p:nvPr/>
+        </p:nvCxnSpPr>
+        <p:spPr>
+          <a:xfrm>
+            <a:off x="10507687" y="901129"/>
+            <a:ext cx="0" cy="5575871"/>
+          </a:xfrm>
+          <a:prstGeom prst="line">
+            <a:avLst/>
+          </a:prstGeom>
+          <a:ln w="19050">
+            <a:solidFill>
+              <a:schemeClr val="tx2">
+                <a:lumMod val="60000"/>
+                <a:lumOff val="40000"/>
+              </a:schemeClr>
+            </a:solidFill>
+            <a:prstDash val="sysDash"/>
+          </a:ln>
+          <a:effectLst/>
+        </p:spPr>
+        <p:style>
+          <a:lnRef idx="1">
+            <a:schemeClr val="accent1"/>
+          </a:lnRef>
+          <a:fillRef idx="2">
+            <a:schemeClr val="accent1"/>
+          </a:fillRef>
+          <a:effectRef idx="1">
+            <a:schemeClr val="accent1"/>
+          </a:effectRef>
+          <a:fontRef idx="minor">
+            <a:schemeClr val="dk1"/>
+          </a:fontRef>
+        </p:style>
+      </p:cxnSp>
+      <p:sp>
+        <p:nvSpPr>
+          <p:cNvPr id="62" name="Rectangle 61">
+            <a:extLst>
+              <a:ext uri="{FF2B5EF4-FFF2-40B4-BE49-F238E27FC236}">
+                <a16:creationId xmlns:a16="http://schemas.microsoft.com/office/drawing/2014/main" id="{AA51871A-CE45-458B-A2E4-81C5BAA100B6}"/>
+              </a:ext>
+            </a:extLst>
+          </p:cNvPr>
+          <p:cNvSpPr/>
+          <p:nvPr/>
+        </p:nvSpPr>
+        <p:spPr>
+          <a:xfrm>
+            <a:off x="10442045" y="5913957"/>
+            <a:ext cx="166778" cy="285436"/>
+          </a:xfrm>
+          <a:prstGeom prst="rect">
+            <a:avLst/>
+          </a:prstGeom>
+          <a:solidFill>
+            <a:schemeClr val="accent1">
+              <a:lumMod val="60000"/>
+              <a:lumOff val="40000"/>
+            </a:schemeClr>
+          </a:solidFill>
+          <a:ln>
+            <a:noFill/>
+          </a:ln>
+          <a:effectLst/>
+        </p:spPr>
+        <p:style>
+          <a:lnRef idx="1">
+            <a:schemeClr val="accent3"/>
+          </a:lnRef>
+          <a:fillRef idx="2">
+            <a:schemeClr val="accent3"/>
+          </a:fillRef>
+          <a:effectRef idx="1">
+            <a:schemeClr val="accent3"/>
+          </a:effectRef>
+          <a:fontRef idx="minor">
+            <a:schemeClr val="dk1"/>
+          </a:fontRef>
+        </p:style>
+        <p:txBody>
+          <a:bodyPr rtlCol="0" anchor="ctr"/>
+          <a:lstStyle/>
+          <a:p>
+            <a:pPr algn="ctr"/>
+            <a:endParaRPr lang="en-SG" sz="1400"/>
+          </a:p>
+        </p:txBody>
+      </p:sp>
+      <p:cxnSp>
+        <p:nvCxnSpPr>
+          <p:cNvPr id="65" name="Straight Arrow Connector 64">
+            <a:extLst>
+              <a:ext uri="{FF2B5EF4-FFF2-40B4-BE49-F238E27FC236}">
+                <a16:creationId xmlns:a16="http://schemas.microsoft.com/office/drawing/2014/main" id="{EBFE8E1A-5EAC-498F-B2FE-FAEC0437C994}"/>
+              </a:ext>
+            </a:extLst>
+          </p:cNvPr>
+          <p:cNvCxnSpPr>
+            <a:cxnSpLocks/>
+          </p:cNvCxnSpPr>
+          <p:nvPr/>
+        </p:nvCxnSpPr>
+        <p:spPr>
+          <a:xfrm>
+            <a:off x="1708245" y="5920686"/>
+            <a:ext cx="8716053" cy="0"/>
+          </a:xfrm>
+          <a:prstGeom prst="straightConnector1">
+            <a:avLst/>
+          </a:prstGeom>
+          <a:ln w="19050">
+            <a:solidFill>
+              <a:srgbClr val="0070C0"/>
+            </a:solidFill>
+            <a:tailEnd type="arrow"/>
+          </a:ln>
+        </p:spPr>
+        <p:style>
+          <a:lnRef idx="1">
+            <a:schemeClr val="accent1"/>
+          </a:lnRef>
+          <a:fillRef idx="0">
+            <a:schemeClr val="accent1"/>
+          </a:fillRef>
+          <a:effectRef idx="0">
+            <a:schemeClr val="accent1"/>
+          </a:effectRef>
+          <a:fontRef idx="minor">
+            <a:schemeClr val="tx1"/>
+          </a:fontRef>
+        </p:style>
+      </p:cxnSp>
+      <p:cxnSp>
+        <p:nvCxnSpPr>
+          <p:cNvPr id="71" name="Straight Arrow Connector 70">
+            <a:extLst>
+              <a:ext uri="{FF2B5EF4-FFF2-40B4-BE49-F238E27FC236}">
+                <a16:creationId xmlns:a16="http://schemas.microsoft.com/office/drawing/2014/main" id="{16D71E88-7F92-4BD9-90BC-2390A083F48B}"/>
+              </a:ext>
+            </a:extLst>
+          </p:cNvPr>
+          <p:cNvCxnSpPr>
+            <a:cxnSpLocks/>
+          </p:cNvCxnSpPr>
+          <p:nvPr/>
+        </p:nvCxnSpPr>
+        <p:spPr>
+          <a:xfrm>
+            <a:off x="1669643" y="6194129"/>
+            <a:ext cx="8772402" cy="0"/>
+          </a:xfrm>
+          <a:prstGeom prst="straightConnector1">
+            <a:avLst/>
+          </a:prstGeom>
+          <a:ln w="19050">
+            <a:solidFill>
+              <a:srgbClr val="0070C0"/>
+            </a:solidFill>
+            <a:prstDash val="sysDash"/>
+            <a:headEnd type="arrow" w="med" len="med"/>
+            <a:tailEnd type="none" w="med" len="med"/>
+          </a:ln>
+        </p:spPr>
+        <p:style>
+          <a:lnRef idx="1">
+            <a:schemeClr val="accent1"/>
+          </a:lnRef>
+          <a:fillRef idx="0">
+            <a:schemeClr val="accent1"/>
+          </a:fillRef>
+          <a:effectRef idx="0">
+            <a:schemeClr val="accent1"/>
+          </a:effectRef>
+          <a:fontRef idx="minor">
+            <a:schemeClr val="tx1"/>
+          </a:fontRef>
+        </p:style>
+      </p:cxnSp>
+      <p:sp>
+        <p:nvSpPr>
+          <p:cNvPr id="72" name="Rectangle 71">
+            <a:extLst>
+              <a:ext uri="{FF2B5EF4-FFF2-40B4-BE49-F238E27FC236}">
+                <a16:creationId xmlns:a16="http://schemas.microsoft.com/office/drawing/2014/main" id="{652A8B16-27B3-4BC3-B18B-C81CC61C365B}"/>
+              </a:ext>
+            </a:extLst>
+          </p:cNvPr>
+          <p:cNvSpPr/>
+          <p:nvPr/>
+        </p:nvSpPr>
+        <p:spPr>
+          <a:xfrm>
+            <a:off x="8634286" y="5597807"/>
+            <a:ext cx="4572000" cy="276999"/>
+          </a:xfrm>
+          <a:prstGeom prst="rect">
+            <a:avLst/>
+          </a:prstGeom>
+        </p:spPr>
+        <p:txBody>
+          <a:bodyPr>
+            <a:spAutoFit/>
+          </a:bodyPr>
+          <a:lstStyle/>
+          <a:p>
+            <a:pPr lvl="0" eaLnBrk="0" fontAlgn="base" hangingPunct="0">
+              <a:spcBef>
+                <a:spcPct val="0"/>
+              </a:spcBef>
+              <a:spcAft>
+                <a:spcPct val="0"/>
+              </a:spcAft>
+            </a:pPr>
+            <a:r>
+              <a:rPr lang="en-US" altLang="en-US" sz="1200" dirty="0">
+                <a:solidFill>
+                  <a:srgbClr val="0070C0"/>
+                </a:solidFill>
+                <a:latin typeface="Calibri" panose="020F0502020204030204" pitchFamily="34" charset="0"/>
+                <a:cs typeface="Calibri" panose="020F0502020204030204" pitchFamily="34" charset="0"/>
+              </a:rPr>
+              <a:t>raise(new </a:t>
+            </a:r>
+            <a:r>
+              <a:rPr lang="en-US" altLang="en-US" sz="1200" dirty="0" err="1">
+                <a:solidFill>
+                  <a:srgbClr val="0070C0"/>
+                </a:solidFill>
+                <a:latin typeface="Calibri" panose="020F0502020204030204" pitchFamily="34" charset="0"/>
+                <a:cs typeface="Calibri" panose="020F0502020204030204" pitchFamily="34" charset="0"/>
+              </a:rPr>
+              <a:t>InvestigapptorChangedEvent</a:t>
+            </a:r>
+            <a:r>
+              <a:rPr lang="en-US" altLang="en-US" sz="1200" dirty="0">
+                <a:solidFill>
+                  <a:srgbClr val="0070C0"/>
+                </a:solidFill>
+                <a:latin typeface="Calibri" panose="020F0502020204030204" pitchFamily="34" charset="0"/>
+                <a:cs typeface="Calibri" panose="020F0502020204030204" pitchFamily="34" charset="0"/>
+              </a:rPr>
+              <a:t>(</a:t>
+            </a:r>
+            <a:r>
+              <a:rPr lang="en-US" altLang="en-US" sz="1200" dirty="0" err="1">
+                <a:solidFill>
+                  <a:srgbClr val="0070C0"/>
+                </a:solidFill>
+                <a:latin typeface="Calibri" panose="020F0502020204030204" pitchFamily="34" charset="0"/>
+                <a:cs typeface="Calibri" panose="020F0502020204030204" pitchFamily="34" charset="0"/>
+              </a:rPr>
+              <a:t>i</a:t>
+            </a:r>
+            <a:r>
+              <a:rPr lang="en-US" altLang="en-US" sz="1200" dirty="0">
+                <a:solidFill>
+                  <a:srgbClr val="0070C0"/>
+                </a:solidFill>
+                <a:latin typeface="Calibri" panose="020F0502020204030204" pitchFamily="34" charset="0"/>
+                <a:cs typeface="Calibri" panose="020F0502020204030204" pitchFamily="34" charset="0"/>
+              </a:rPr>
+              <a:t>))</a:t>
+            </a:r>
+            <a:endParaRPr lang="en-US" altLang="en-US" sz="3200" dirty="0">
+              <a:solidFill>
+                <a:srgbClr val="0070C0"/>
+              </a:solidFill>
+              <a:latin typeface="Calibri" panose="020F0502020204030204" pitchFamily="34" charset="0"/>
+              <a:cs typeface="Calibri" panose="020F0502020204030204" pitchFamily="34" charset="0"/>
+            </a:endParaRPr>
+          </a:p>
+        </p:txBody>
+      </p:sp>
+      <p:cxnSp>
+        <p:nvCxnSpPr>
+          <p:cNvPr id="73" name="Straight Arrow Connector 72">
+            <a:extLst>
+              <a:ext uri="{FF2B5EF4-FFF2-40B4-BE49-F238E27FC236}">
+                <a16:creationId xmlns:a16="http://schemas.microsoft.com/office/drawing/2014/main" id="{181123F6-3A93-4559-A318-A14D7767D4E2}"/>
+              </a:ext>
+            </a:extLst>
+          </p:cNvPr>
+          <p:cNvCxnSpPr>
+            <a:cxnSpLocks/>
+          </p:cNvCxnSpPr>
+          <p:nvPr/>
+        </p:nvCxnSpPr>
+        <p:spPr>
+          <a:xfrm>
+            <a:off x="-228600" y="6299717"/>
+            <a:ext cx="1767550" cy="0"/>
+          </a:xfrm>
+          <a:prstGeom prst="straightConnector1">
+            <a:avLst/>
+          </a:prstGeom>
+          <a:ln w="19050">
+            <a:solidFill>
+              <a:srgbClr val="0070C0"/>
+            </a:solidFill>
+            <a:prstDash val="sysDash"/>
+            <a:headEnd type="arrow" w="med" len="med"/>
+            <a:tailEnd type="none" w="med" len="med"/>
+          </a:ln>
+        </p:spPr>
+        <p:style>
+          <a:lnRef idx="1">
+            <a:schemeClr val="accent1"/>
+          </a:lnRef>
+          <a:fillRef idx="0">
+            <a:schemeClr val="accent1"/>
+          </a:fillRef>
+          <a:effectRef idx="0">
+            <a:schemeClr val="accent1"/>
+          </a:effectRef>
+          <a:fontRef idx="minor">
+            <a:schemeClr val="tx1"/>
+          </a:fontRef>
+        </p:style>
+      </p:cxnSp>
     </p:spTree>
     <p:extLst>
       <p:ext uri="{BB962C8B-B14F-4D97-AF65-F5344CB8AC3E}">
